--- a/deep-learning-in-practice-with-pytorch/X-sequence-to-sequence.pptx
+++ b/deep-learning-in-practice-with-pytorch/X-sequence-to-sequence.pptx
@@ -14,8 +14,8 @@
     <p:sldId id="260" r:id="rId5"/>
     <p:sldId id="262" r:id="rId6"/>
     <p:sldId id="264" r:id="rId7"/>
-    <p:sldId id="265" r:id="rId8"/>
-    <p:sldId id="406" r:id="rId9"/>
+    <p:sldId id="406" r:id="rId8"/>
+    <p:sldId id="265" r:id="rId9"/>
     <p:sldId id="263" r:id="rId10"/>
     <p:sldId id="266" r:id="rId11"/>
     <p:sldId id="273" r:id="rId12"/>
@@ -219,7 +219,7 @@
           <a:p>
             <a:fld id="{69F7CEE3-05DF-44A7-9CCC-C0FCF433C45C}" type="datetimeFigureOut">
               <a:rPr lang="en-US" smtClean="0"/>
-              <a:t>4/10/2024</a:t>
+              <a:t>4/11/2024</a:t>
             </a:fld>
             <a:endParaRPr lang="en-US"/>
           </a:p>
@@ -19536,292 +19536,10 @@
           </a:fontRef>
         </p:style>
       </p:cxnSp>
-      <p:sp>
-        <p:nvSpPr>
-          <p:cNvPr id="15" name="Rectangle : coins arrondis 14">
-            <a:extLst>
-              <a:ext uri="{FF2B5EF4-FFF2-40B4-BE49-F238E27FC236}">
-                <a16:creationId xmlns:a16="http://schemas.microsoft.com/office/drawing/2014/main" id="{556BF002-F503-4AE9-BB22-411BCD7A0398}"/>
-              </a:ext>
-            </a:extLst>
-          </p:cNvPr>
-          <p:cNvSpPr/>
-          <p:nvPr/>
-        </p:nvSpPr>
-        <p:spPr>
-          <a:xfrm>
-            <a:off x="3417995" y="2634792"/>
-            <a:ext cx="1348033" cy="794208"/>
-          </a:xfrm>
-          <a:prstGeom prst="roundRect">
-            <a:avLst/>
-          </a:prstGeom>
-          <a:gradFill>
-            <a:gsLst>
-              <a:gs pos="0">
-                <a:srgbClr val="CAE8AA"/>
-              </a:gs>
-              <a:gs pos="52000">
-                <a:schemeClr val="bg1"/>
-              </a:gs>
-              <a:gs pos="100000">
-                <a:srgbClr val="F19BF3"/>
-              </a:gs>
-            </a:gsLst>
-            <a:lin ang="5400000" scaled="1"/>
-          </a:gradFill>
-        </p:spPr>
-        <p:style>
-          <a:lnRef idx="2">
-            <a:schemeClr val="dk1"/>
-          </a:lnRef>
-          <a:fillRef idx="1">
-            <a:schemeClr val="lt1"/>
-          </a:fillRef>
-          <a:effectRef idx="0">
-            <a:schemeClr val="dk1"/>
-          </a:effectRef>
-          <a:fontRef idx="minor">
-            <a:schemeClr val="dk1"/>
-          </a:fontRef>
-        </p:style>
-        <p:txBody>
-          <a:bodyPr rtlCol="0" anchor="ctr"/>
-          <a:lstStyle/>
-          <a:p>
-            <a:pPr algn="ctr"/>
-            <a:r>
-              <a:rPr lang="en-US" sz="3600" dirty="0"/>
-              <a:t>RNN</a:t>
-            </a:r>
-          </a:p>
-        </p:txBody>
-      </p:sp>
-      <p:sp>
-        <p:nvSpPr>
-          <p:cNvPr id="16" name="Organigramme : Alternative 15">
-            <a:extLst>
-              <a:ext uri="{FF2B5EF4-FFF2-40B4-BE49-F238E27FC236}">
-                <a16:creationId xmlns:a16="http://schemas.microsoft.com/office/drawing/2014/main" id="{472FAF1D-8DDB-4314-9877-E7EBABF52155}"/>
-              </a:ext>
-            </a:extLst>
-          </p:cNvPr>
-          <p:cNvSpPr/>
-          <p:nvPr/>
-        </p:nvSpPr>
-        <p:spPr>
-          <a:xfrm>
-            <a:off x="3743225" y="4226478"/>
-            <a:ext cx="688158" cy="603315"/>
-          </a:xfrm>
-          <a:prstGeom prst="flowChartAlternateProcess">
-            <a:avLst/>
-          </a:prstGeom>
-          <a:gradFill flip="none" rotWithShape="1">
-            <a:gsLst>
-              <a:gs pos="0">
-                <a:srgbClr val="FFC000">
-                  <a:tint val="66000"/>
-                  <a:satMod val="160000"/>
-                </a:srgbClr>
-              </a:gs>
-              <a:gs pos="50000">
-                <a:srgbClr val="FFC000">
-                  <a:tint val="44500"/>
-                  <a:satMod val="160000"/>
-                </a:srgbClr>
-              </a:gs>
-              <a:gs pos="100000">
-                <a:srgbClr val="FFC000">
-                  <a:tint val="23500"/>
-                  <a:satMod val="160000"/>
-                </a:srgbClr>
-              </a:gs>
-            </a:gsLst>
-            <a:path path="circle">
-              <a:fillToRect l="50000" t="50000" r="50000" b="50000"/>
-            </a:path>
-            <a:tileRect/>
-          </a:gradFill>
-          <a:ln>
-            <a:solidFill>
-              <a:schemeClr val="tx1"/>
-            </a:solidFill>
-          </a:ln>
-        </p:spPr>
-        <p:style>
-          <a:lnRef idx="2">
-            <a:schemeClr val="accent1">
-              <a:shade val="50000"/>
-            </a:schemeClr>
-          </a:lnRef>
-          <a:fillRef idx="1">
-            <a:schemeClr val="accent1"/>
-          </a:fillRef>
-          <a:effectRef idx="0">
-            <a:schemeClr val="accent1"/>
-          </a:effectRef>
-          <a:fontRef idx="minor">
-            <a:schemeClr val="lt1"/>
-          </a:fontRef>
-        </p:style>
-        <p:txBody>
-          <a:bodyPr rtlCol="0" anchor="ctr"/>
-          <a:lstStyle/>
-          <a:p>
-            <a:pPr algn="ctr"/>
-            <a:endParaRPr lang="en-US" dirty="0">
-              <a:solidFill>
-                <a:schemeClr val="tx1"/>
-              </a:solidFill>
-            </a:endParaRPr>
-          </a:p>
-        </p:txBody>
-      </p:sp>
-      <p:sp>
-        <p:nvSpPr>
-          <p:cNvPr id="17" name="Rectangle 16">
-            <a:extLst>
-              <a:ext uri="{FF2B5EF4-FFF2-40B4-BE49-F238E27FC236}">
-                <a16:creationId xmlns:a16="http://schemas.microsoft.com/office/drawing/2014/main" id="{CF082E28-670D-4C48-BF08-23322AD71577}"/>
-              </a:ext>
-            </a:extLst>
-          </p:cNvPr>
-          <p:cNvSpPr/>
-          <p:nvPr/>
-        </p:nvSpPr>
-        <p:spPr>
-          <a:xfrm>
-            <a:off x="3619893" y="5318939"/>
-            <a:ext cx="924608" cy="461914"/>
-          </a:xfrm>
-          <a:prstGeom prst="rect">
-            <a:avLst/>
-          </a:prstGeom>
-        </p:spPr>
-        <p:style>
-          <a:lnRef idx="2">
-            <a:schemeClr val="dk1"/>
-          </a:lnRef>
-          <a:fillRef idx="1">
-            <a:schemeClr val="lt1"/>
-          </a:fillRef>
-          <a:effectRef idx="0">
-            <a:schemeClr val="dk1"/>
-          </a:effectRef>
-          <a:fontRef idx="minor">
-            <a:schemeClr val="dk1"/>
-          </a:fontRef>
-        </p:style>
-        <p:txBody>
-          <a:bodyPr rtlCol="0" anchor="ctr"/>
-          <a:lstStyle/>
-          <a:p>
-            <a:pPr algn="ctr"/>
-            <a:r>
-              <a:rPr lang="en-US" dirty="0" err="1"/>
-              <a:t>suis</a:t>
-            </a:r>
-            <a:endParaRPr lang="en-US" dirty="0"/>
-          </a:p>
-        </p:txBody>
-      </p:sp>
-      <p:cxnSp>
-        <p:nvCxnSpPr>
-          <p:cNvPr id="23" name="Connecteur droit avec flèche 22">
-            <a:extLst>
-              <a:ext uri="{FF2B5EF4-FFF2-40B4-BE49-F238E27FC236}">
-                <a16:creationId xmlns:a16="http://schemas.microsoft.com/office/drawing/2014/main" id="{02CBE975-B500-483B-874A-6DBFB1336AB2}"/>
-              </a:ext>
-            </a:extLst>
-          </p:cNvPr>
-          <p:cNvCxnSpPr>
-            <a:cxnSpLocks/>
-            <a:stCxn id="17" idx="0"/>
-            <a:endCxn id="16" idx="2"/>
-          </p:cNvCxnSpPr>
-          <p:nvPr/>
-        </p:nvCxnSpPr>
-        <p:spPr>
-          <a:xfrm flipV="1">
-            <a:off x="4082197" y="4829793"/>
-            <a:ext cx="5107" cy="489146"/>
-          </a:xfrm>
-          <a:prstGeom prst="straightConnector1">
-            <a:avLst/>
-          </a:prstGeom>
-          <a:ln w="38100">
-            <a:solidFill>
-              <a:schemeClr val="tx1"/>
-            </a:solidFill>
-            <a:tailEnd type="triangle"/>
-          </a:ln>
-        </p:spPr>
-        <p:style>
-          <a:lnRef idx="1">
-            <a:schemeClr val="accent1"/>
-          </a:lnRef>
-          <a:fillRef idx="0">
-            <a:schemeClr val="accent1"/>
-          </a:fillRef>
-          <a:effectRef idx="0">
-            <a:schemeClr val="accent1"/>
-          </a:effectRef>
-          <a:fontRef idx="minor">
-            <a:schemeClr val="tx1"/>
-          </a:fontRef>
-        </p:style>
-      </p:cxnSp>
-      <p:cxnSp>
-        <p:nvCxnSpPr>
-          <p:cNvPr id="24" name="Connecteur droit avec flèche 23">
-            <a:extLst>
-              <a:ext uri="{FF2B5EF4-FFF2-40B4-BE49-F238E27FC236}">
-                <a16:creationId xmlns:a16="http://schemas.microsoft.com/office/drawing/2014/main" id="{BFCF16BB-0E82-4A14-83E4-832406B5476C}"/>
-              </a:ext>
-            </a:extLst>
-          </p:cNvPr>
-          <p:cNvCxnSpPr>
-            <a:cxnSpLocks/>
-            <a:stCxn id="16" idx="0"/>
-            <a:endCxn id="15" idx="2"/>
-          </p:cNvCxnSpPr>
-          <p:nvPr/>
-        </p:nvCxnSpPr>
-        <p:spPr>
-          <a:xfrm flipV="1">
-            <a:off x="4087304" y="3429000"/>
-            <a:ext cx="4708" cy="797478"/>
-          </a:xfrm>
-          <a:prstGeom prst="straightConnector1">
-            <a:avLst/>
-          </a:prstGeom>
-          <a:ln w="38100">
-            <a:solidFill>
-              <a:schemeClr val="accent4"/>
-            </a:solidFill>
-            <a:tailEnd type="triangle"/>
-          </a:ln>
-        </p:spPr>
-        <p:style>
-          <a:lnRef idx="1">
-            <a:schemeClr val="accent1"/>
-          </a:lnRef>
-          <a:fillRef idx="0">
-            <a:schemeClr val="accent1"/>
-          </a:fillRef>
-          <a:effectRef idx="0">
-            <a:schemeClr val="accent1"/>
-          </a:effectRef>
-          <a:fontRef idx="minor">
-            <a:schemeClr val="tx1"/>
-          </a:fontRef>
-        </p:style>
-      </p:cxnSp>
     </p:spTree>
     <p:extLst>
       <p:ext uri="{BB962C8B-B14F-4D97-AF65-F5344CB8AC3E}">
-        <p14:creationId xmlns:p14="http://schemas.microsoft.com/office/powerpoint/2010/main" val="861480008"/>
+        <p14:creationId xmlns:p14="http://schemas.microsoft.com/office/powerpoint/2010/main" val="2772670417"/>
       </p:ext>
     </p:extLst>
   </p:cSld>
@@ -20527,10 +20245,292 @@
           </a:fontRef>
         </p:style>
       </p:cxnSp>
+      <p:sp>
+        <p:nvSpPr>
+          <p:cNvPr id="15" name="Rectangle : coins arrondis 14">
+            <a:extLst>
+              <a:ext uri="{FF2B5EF4-FFF2-40B4-BE49-F238E27FC236}">
+                <a16:creationId xmlns:a16="http://schemas.microsoft.com/office/drawing/2014/main" id="{556BF002-F503-4AE9-BB22-411BCD7A0398}"/>
+              </a:ext>
+            </a:extLst>
+          </p:cNvPr>
+          <p:cNvSpPr/>
+          <p:nvPr/>
+        </p:nvSpPr>
+        <p:spPr>
+          <a:xfrm>
+            <a:off x="3417995" y="2634792"/>
+            <a:ext cx="1348033" cy="794208"/>
+          </a:xfrm>
+          <a:prstGeom prst="roundRect">
+            <a:avLst/>
+          </a:prstGeom>
+          <a:gradFill>
+            <a:gsLst>
+              <a:gs pos="0">
+                <a:srgbClr val="CAE8AA"/>
+              </a:gs>
+              <a:gs pos="52000">
+                <a:schemeClr val="bg1"/>
+              </a:gs>
+              <a:gs pos="100000">
+                <a:srgbClr val="F19BF3"/>
+              </a:gs>
+            </a:gsLst>
+            <a:lin ang="5400000" scaled="1"/>
+          </a:gradFill>
+        </p:spPr>
+        <p:style>
+          <a:lnRef idx="2">
+            <a:schemeClr val="dk1"/>
+          </a:lnRef>
+          <a:fillRef idx="1">
+            <a:schemeClr val="lt1"/>
+          </a:fillRef>
+          <a:effectRef idx="0">
+            <a:schemeClr val="dk1"/>
+          </a:effectRef>
+          <a:fontRef idx="minor">
+            <a:schemeClr val="dk1"/>
+          </a:fontRef>
+        </p:style>
+        <p:txBody>
+          <a:bodyPr rtlCol="0" anchor="ctr"/>
+          <a:lstStyle/>
+          <a:p>
+            <a:pPr algn="ctr"/>
+            <a:r>
+              <a:rPr lang="en-US" sz="3600" dirty="0"/>
+              <a:t>RNN</a:t>
+            </a:r>
+          </a:p>
+        </p:txBody>
+      </p:sp>
+      <p:sp>
+        <p:nvSpPr>
+          <p:cNvPr id="16" name="Organigramme : Alternative 15">
+            <a:extLst>
+              <a:ext uri="{FF2B5EF4-FFF2-40B4-BE49-F238E27FC236}">
+                <a16:creationId xmlns:a16="http://schemas.microsoft.com/office/drawing/2014/main" id="{472FAF1D-8DDB-4314-9877-E7EBABF52155}"/>
+              </a:ext>
+            </a:extLst>
+          </p:cNvPr>
+          <p:cNvSpPr/>
+          <p:nvPr/>
+        </p:nvSpPr>
+        <p:spPr>
+          <a:xfrm>
+            <a:off x="3743225" y="4226478"/>
+            <a:ext cx="688158" cy="603315"/>
+          </a:xfrm>
+          <a:prstGeom prst="flowChartAlternateProcess">
+            <a:avLst/>
+          </a:prstGeom>
+          <a:gradFill flip="none" rotWithShape="1">
+            <a:gsLst>
+              <a:gs pos="0">
+                <a:srgbClr val="FFC000">
+                  <a:tint val="66000"/>
+                  <a:satMod val="160000"/>
+                </a:srgbClr>
+              </a:gs>
+              <a:gs pos="50000">
+                <a:srgbClr val="FFC000">
+                  <a:tint val="44500"/>
+                  <a:satMod val="160000"/>
+                </a:srgbClr>
+              </a:gs>
+              <a:gs pos="100000">
+                <a:srgbClr val="FFC000">
+                  <a:tint val="23500"/>
+                  <a:satMod val="160000"/>
+                </a:srgbClr>
+              </a:gs>
+            </a:gsLst>
+            <a:path path="circle">
+              <a:fillToRect l="50000" t="50000" r="50000" b="50000"/>
+            </a:path>
+            <a:tileRect/>
+          </a:gradFill>
+          <a:ln>
+            <a:solidFill>
+              <a:schemeClr val="tx1"/>
+            </a:solidFill>
+          </a:ln>
+        </p:spPr>
+        <p:style>
+          <a:lnRef idx="2">
+            <a:schemeClr val="accent1">
+              <a:shade val="50000"/>
+            </a:schemeClr>
+          </a:lnRef>
+          <a:fillRef idx="1">
+            <a:schemeClr val="accent1"/>
+          </a:fillRef>
+          <a:effectRef idx="0">
+            <a:schemeClr val="accent1"/>
+          </a:effectRef>
+          <a:fontRef idx="minor">
+            <a:schemeClr val="lt1"/>
+          </a:fontRef>
+        </p:style>
+        <p:txBody>
+          <a:bodyPr rtlCol="0" anchor="ctr"/>
+          <a:lstStyle/>
+          <a:p>
+            <a:pPr algn="ctr"/>
+            <a:endParaRPr lang="en-US" dirty="0">
+              <a:solidFill>
+                <a:schemeClr val="tx1"/>
+              </a:solidFill>
+            </a:endParaRPr>
+          </a:p>
+        </p:txBody>
+      </p:sp>
+      <p:sp>
+        <p:nvSpPr>
+          <p:cNvPr id="17" name="Rectangle 16">
+            <a:extLst>
+              <a:ext uri="{FF2B5EF4-FFF2-40B4-BE49-F238E27FC236}">
+                <a16:creationId xmlns:a16="http://schemas.microsoft.com/office/drawing/2014/main" id="{CF082E28-670D-4C48-BF08-23322AD71577}"/>
+              </a:ext>
+            </a:extLst>
+          </p:cNvPr>
+          <p:cNvSpPr/>
+          <p:nvPr/>
+        </p:nvSpPr>
+        <p:spPr>
+          <a:xfrm>
+            <a:off x="3619893" y="5318939"/>
+            <a:ext cx="924608" cy="461914"/>
+          </a:xfrm>
+          <a:prstGeom prst="rect">
+            <a:avLst/>
+          </a:prstGeom>
+        </p:spPr>
+        <p:style>
+          <a:lnRef idx="2">
+            <a:schemeClr val="dk1"/>
+          </a:lnRef>
+          <a:fillRef idx="1">
+            <a:schemeClr val="lt1"/>
+          </a:fillRef>
+          <a:effectRef idx="0">
+            <a:schemeClr val="dk1"/>
+          </a:effectRef>
+          <a:fontRef idx="minor">
+            <a:schemeClr val="dk1"/>
+          </a:fontRef>
+        </p:style>
+        <p:txBody>
+          <a:bodyPr rtlCol="0" anchor="ctr"/>
+          <a:lstStyle/>
+          <a:p>
+            <a:pPr algn="ctr"/>
+            <a:r>
+              <a:rPr lang="en-US" dirty="0" err="1"/>
+              <a:t>suis</a:t>
+            </a:r>
+            <a:endParaRPr lang="en-US" dirty="0"/>
+          </a:p>
+        </p:txBody>
+      </p:sp>
+      <p:cxnSp>
+        <p:nvCxnSpPr>
+          <p:cNvPr id="23" name="Connecteur droit avec flèche 22">
+            <a:extLst>
+              <a:ext uri="{FF2B5EF4-FFF2-40B4-BE49-F238E27FC236}">
+                <a16:creationId xmlns:a16="http://schemas.microsoft.com/office/drawing/2014/main" id="{02CBE975-B500-483B-874A-6DBFB1336AB2}"/>
+              </a:ext>
+            </a:extLst>
+          </p:cNvPr>
+          <p:cNvCxnSpPr>
+            <a:cxnSpLocks/>
+            <a:stCxn id="17" idx="0"/>
+            <a:endCxn id="16" idx="2"/>
+          </p:cNvCxnSpPr>
+          <p:nvPr/>
+        </p:nvCxnSpPr>
+        <p:spPr>
+          <a:xfrm flipV="1">
+            <a:off x="4082197" y="4829793"/>
+            <a:ext cx="5107" cy="489146"/>
+          </a:xfrm>
+          <a:prstGeom prst="straightConnector1">
+            <a:avLst/>
+          </a:prstGeom>
+          <a:ln w="38100">
+            <a:solidFill>
+              <a:schemeClr val="tx1"/>
+            </a:solidFill>
+            <a:tailEnd type="triangle"/>
+          </a:ln>
+        </p:spPr>
+        <p:style>
+          <a:lnRef idx="1">
+            <a:schemeClr val="accent1"/>
+          </a:lnRef>
+          <a:fillRef idx="0">
+            <a:schemeClr val="accent1"/>
+          </a:fillRef>
+          <a:effectRef idx="0">
+            <a:schemeClr val="accent1"/>
+          </a:effectRef>
+          <a:fontRef idx="minor">
+            <a:schemeClr val="tx1"/>
+          </a:fontRef>
+        </p:style>
+      </p:cxnSp>
+      <p:cxnSp>
+        <p:nvCxnSpPr>
+          <p:cNvPr id="24" name="Connecteur droit avec flèche 23">
+            <a:extLst>
+              <a:ext uri="{FF2B5EF4-FFF2-40B4-BE49-F238E27FC236}">
+                <a16:creationId xmlns:a16="http://schemas.microsoft.com/office/drawing/2014/main" id="{BFCF16BB-0E82-4A14-83E4-832406B5476C}"/>
+              </a:ext>
+            </a:extLst>
+          </p:cNvPr>
+          <p:cNvCxnSpPr>
+            <a:cxnSpLocks/>
+            <a:stCxn id="16" idx="0"/>
+            <a:endCxn id="15" idx="2"/>
+          </p:cNvCxnSpPr>
+          <p:nvPr/>
+        </p:nvCxnSpPr>
+        <p:spPr>
+          <a:xfrm flipV="1">
+            <a:off x="4087304" y="3429000"/>
+            <a:ext cx="4708" cy="797478"/>
+          </a:xfrm>
+          <a:prstGeom prst="straightConnector1">
+            <a:avLst/>
+          </a:prstGeom>
+          <a:ln w="38100">
+            <a:solidFill>
+              <a:schemeClr val="accent4"/>
+            </a:solidFill>
+            <a:tailEnd type="triangle"/>
+          </a:ln>
+        </p:spPr>
+        <p:style>
+          <a:lnRef idx="1">
+            <a:schemeClr val="accent1"/>
+          </a:lnRef>
+          <a:fillRef idx="0">
+            <a:schemeClr val="accent1"/>
+          </a:fillRef>
+          <a:effectRef idx="0">
+            <a:schemeClr val="accent1"/>
+          </a:effectRef>
+          <a:fontRef idx="minor">
+            <a:schemeClr val="tx1"/>
+          </a:fontRef>
+        </p:style>
+      </p:cxnSp>
     </p:spTree>
     <p:extLst>
       <p:ext uri="{BB962C8B-B14F-4D97-AF65-F5344CB8AC3E}">
-        <p14:creationId xmlns:p14="http://schemas.microsoft.com/office/powerpoint/2010/main" val="2772670417"/>
+        <p14:creationId xmlns:p14="http://schemas.microsoft.com/office/powerpoint/2010/main" val="861480008"/>
       </p:ext>
     </p:extLst>
   </p:cSld>

--- a/deep-learning-in-practice-with-pytorch/X-sequence-to-sequence.pptx
+++ b/deep-learning-in-practice-with-pytorch/X-sequence-to-sequence.pptx
@@ -219,7 +219,7 @@
           <a:p>
             <a:fld id="{69F7CEE3-05DF-44A7-9CCC-C0FCF433C45C}" type="datetimeFigureOut">
               <a:rPr lang="en-US" smtClean="0"/>
-              <a:t>4/11/2024</a:t>
+              <a:t>12/9/2024</a:t>
             </a:fld>
             <a:endParaRPr lang="en-US"/>
           </a:p>
@@ -5816,8 +5816,8 @@
         </p:nvSpPr>
         <p:spPr>
           <a:xfrm>
-            <a:off x="3827276" y="4322196"/>
-            <a:ext cx="1753392" cy="603315"/>
+            <a:off x="3667027" y="4322196"/>
+            <a:ext cx="2064470" cy="603315"/>
           </a:xfrm>
           <a:prstGeom prst="flowChartAlternateProcess">
             <a:avLst/>
@@ -5877,15 +5877,15 @@
                   <a:schemeClr val="tx1"/>
                 </a:solidFill>
               </a:rPr>
-              <a:t>Connected</a:t>
-            </a:r>
-            <a:r>
-              <a:rPr lang="en-US">
+              <a:t>Linear + activation, </a:t>
+            </a:r>
+            <a:r>
+              <a:rPr lang="en-US" dirty="0" err="1">
                 <a:solidFill>
                   <a:schemeClr val="tx1"/>
                 </a:solidFill>
               </a:rPr>
-              <a:t>, Softmax</a:t>
+              <a:t>Softmax</a:t>
             </a:r>
             <a:endParaRPr lang="en-US" dirty="0">
               <a:solidFill>
@@ -5964,9 +5964,9 @@
           <p:nvPr/>
         </p:nvCxnSpPr>
         <p:spPr>
-          <a:xfrm flipV="1">
-            <a:off x="4703972" y="4925511"/>
-            <a:ext cx="0" cy="489146"/>
+          <a:xfrm flipH="1" flipV="1">
+            <a:off x="4699262" y="4925511"/>
+            <a:ext cx="4710" cy="489146"/>
           </a:xfrm>
           <a:prstGeom prst="straightConnector1">
             <a:avLst/>
@@ -6012,8 +6012,8 @@
         </p:nvCxnSpPr>
         <p:spPr>
           <a:xfrm flipH="1">
-            <a:off x="4703972" y="3524718"/>
-            <a:ext cx="1" cy="797478"/>
+            <a:off x="4699262" y="3524718"/>
+            <a:ext cx="4711" cy="797478"/>
           </a:xfrm>
           <a:prstGeom prst="straightConnector1">
             <a:avLst/>
@@ -6835,8 +6835,8 @@
         </p:nvSpPr>
         <p:spPr>
           <a:xfrm>
-            <a:off x="1951348" y="4322196"/>
-            <a:ext cx="716438" cy="603315"/>
+            <a:off x="1520675" y="4322196"/>
+            <a:ext cx="1568358" cy="603315"/>
           </a:xfrm>
           <a:prstGeom prst="flowChartAlternateProcess">
             <a:avLst/>
@@ -6890,7 +6890,23 @@
           <a:lstStyle/>
           <a:p>
             <a:pPr algn="ctr"/>
-            <a:endParaRPr lang="en-US" dirty="0">
+            <a:r>
+              <a:rPr lang="en-US" sz="1200" dirty="0">
+                <a:solidFill>
+                  <a:schemeClr val="tx1"/>
+                </a:solidFill>
+              </a:rPr>
+              <a:t>Linear + activation, </a:t>
+            </a:r>
+            <a:r>
+              <a:rPr lang="en-US" sz="1200" dirty="0" err="1">
+                <a:solidFill>
+                  <a:schemeClr val="tx1"/>
+                </a:solidFill>
+              </a:rPr>
+              <a:t>Softmax</a:t>
+            </a:r>
+            <a:endParaRPr lang="en-US" sz="1200" dirty="0">
               <a:solidFill>
                 <a:schemeClr val="tx1"/>
               </a:solidFill>
@@ -6963,8 +6979,8 @@
         </p:nvCxnSpPr>
         <p:spPr>
           <a:xfrm flipH="1" flipV="1">
-            <a:off x="2309567" y="4925511"/>
-            <a:ext cx="19" cy="479720"/>
+            <a:off x="2304854" y="4925511"/>
+            <a:ext cx="4732" cy="479720"/>
           </a:xfrm>
           <a:prstGeom prst="straightConnector1">
             <a:avLst/>
@@ -7011,7 +7027,7 @@
         <p:spPr>
           <a:xfrm>
             <a:off x="2304854" y="3816558"/>
-            <a:ext cx="4713" cy="505638"/>
+            <a:ext cx="0" cy="505638"/>
           </a:xfrm>
           <a:prstGeom prst="straightConnector1">
             <a:avLst/>
@@ -16620,7 +16636,15 @@
             <a:pPr lvl="1"/>
             <a:r>
               <a:rPr lang="en-US" dirty="0"/>
-              <a:t>Issues with really long sequences, loss of context/memory</a:t>
+              <a:t>Issues with </a:t>
+            </a:r>
+            <a:r>
+              <a:rPr lang="en-US" i="1" dirty="0"/>
+              <a:t>really long sequences</a:t>
+            </a:r>
+            <a:r>
+              <a:rPr lang="en-US" dirty="0"/>
+              <a:t>, loss of context/memory</a:t>
             </a:r>
           </a:p>
           <a:p>
@@ -16968,7 +16992,15 @@
             <a:pPr lvl="1"/>
             <a:r>
               <a:rPr lang="en-US" dirty="0"/>
-              <a:t>How can a neural network deal with variable inputs/outputs?</a:t>
+              <a:t>How can a neural network deal with </a:t>
+            </a:r>
+            <a:r>
+              <a:rPr lang="en-US" b="1" dirty="0"/>
+              <a:t>variable inputs/outputs</a:t>
+            </a:r>
+            <a:r>
+              <a:rPr lang="en-US" dirty="0"/>
+              <a:t>?</a:t>
             </a:r>
           </a:p>
         </p:txBody>
